--- a/ppt 16-9/1354.愿你吸引我.pptx
+++ b/ppt 16-9/1354.愿你吸引我.pptx
@@ -5,7 +5,7 @@
     <p:sldMasterId id="2147483648" r:id="rId1"/>
   </p:sldMasterIdLst>
   <p:sldIdLst>
-    <p:sldId id="918" r:id="rId2"/>
+    <p:sldId id="919" r:id="rId2"/>
   </p:sldIdLst>
   <p:sldSz cx="12192000" cy="6858000"/>
   <p:notesSz cx="6858000" cy="9144000"/>
@@ -129,7 +129,7 @@
           <p:cNvPr id="2" name="标题 1">
             <a:extLst>
               <a:ext uri="{FF2B5EF4-FFF2-40B4-BE49-F238E27FC236}">
-                <a16:creationId xmlns:a16="http://schemas.microsoft.com/office/drawing/2014/main" id="{18BFBDF8-7D73-79BE-91CB-F30C3E5C7EB8}"/>
+                <a16:creationId xmlns:a16="http://schemas.microsoft.com/office/drawing/2014/main" id="{0AC92A13-6D06-03B3-C59D-6A629CC93679}"/>
               </a:ext>
             </a:extLst>
           </p:cNvPr>
@@ -166,7 +166,7 @@
           <p:cNvPr id="3" name="副标题 2">
             <a:extLst>
               <a:ext uri="{FF2B5EF4-FFF2-40B4-BE49-F238E27FC236}">
-                <a16:creationId xmlns:a16="http://schemas.microsoft.com/office/drawing/2014/main" id="{B2F59868-CF84-CEEF-65E3-2CB76A8ED3AD}"/>
+                <a16:creationId xmlns:a16="http://schemas.microsoft.com/office/drawing/2014/main" id="{8EEFBE2D-536B-0E2E-E2A6-864DD689DFA0}"/>
               </a:ext>
             </a:extLst>
           </p:cNvPr>
@@ -236,7 +236,7 @@
           <p:cNvPr id="4" name="日期占位符 3">
             <a:extLst>
               <a:ext uri="{FF2B5EF4-FFF2-40B4-BE49-F238E27FC236}">
-                <a16:creationId xmlns:a16="http://schemas.microsoft.com/office/drawing/2014/main" id="{64BFA781-2C94-F652-E551-9A675AC20F07}"/>
+                <a16:creationId xmlns:a16="http://schemas.microsoft.com/office/drawing/2014/main" id="{2D4C27C7-F2A2-741D-760D-25192506767D}"/>
               </a:ext>
             </a:extLst>
           </p:cNvPr>
@@ -252,7 +252,7 @@
           <a:bodyPr/>
           <a:lstStyle/>
           <a:p>
-            <a:fld id="{1497AC34-043D-4673-BC55-E967B421C37D}" type="datetimeFigureOut">
+            <a:fld id="{1511E06D-EE4C-4F7C-9087-DFE457895C64}" type="datetimeFigureOut">
               <a:rPr lang="zh-CN" altLang="en-US" smtClean="0"/>
               <a:t>2024/3/10</a:t>
             </a:fld>
@@ -265,7 +265,7 @@
           <p:cNvPr id="5" name="页脚占位符 4">
             <a:extLst>
               <a:ext uri="{FF2B5EF4-FFF2-40B4-BE49-F238E27FC236}">
-                <a16:creationId xmlns:a16="http://schemas.microsoft.com/office/drawing/2014/main" id="{3535DC55-DD13-AB35-E04E-8AFC9446BE30}"/>
+                <a16:creationId xmlns:a16="http://schemas.microsoft.com/office/drawing/2014/main" id="{0B061D23-365C-D834-A15B-177870036194}"/>
               </a:ext>
             </a:extLst>
           </p:cNvPr>
@@ -290,7 +290,7 @@
           <p:cNvPr id="6" name="灯片编号占位符 5">
             <a:extLst>
               <a:ext uri="{FF2B5EF4-FFF2-40B4-BE49-F238E27FC236}">
-                <a16:creationId xmlns:a16="http://schemas.microsoft.com/office/drawing/2014/main" id="{48E9CD1D-355B-6E9C-9551-E3FEA29584E9}"/>
+                <a16:creationId xmlns:a16="http://schemas.microsoft.com/office/drawing/2014/main" id="{828387ED-C289-E4BF-DAF4-E890F37F7342}"/>
               </a:ext>
             </a:extLst>
           </p:cNvPr>
@@ -306,7 +306,7 @@
           <a:bodyPr/>
           <a:lstStyle/>
           <a:p>
-            <a:fld id="{472754D3-E13E-486E-BFC4-CE9C3EA87829}" type="slidenum">
+            <a:fld id="{25B4F66A-457D-43BB-9BDA-B61EEEAAA94E}" type="slidenum">
               <a:rPr lang="zh-CN" altLang="en-US" smtClean="0"/>
               <a:t>‹#›</a:t>
             </a:fld>
@@ -317,7 +317,7 @@
     </p:spTree>
     <p:extLst>
       <p:ext uri="{BB962C8B-B14F-4D97-AF65-F5344CB8AC3E}">
-        <p14:creationId xmlns:p14="http://schemas.microsoft.com/office/powerpoint/2010/main" val="2890609432"/>
+        <p14:creationId xmlns:p14="http://schemas.microsoft.com/office/powerpoint/2010/main" val="4164040792"/>
       </p:ext>
     </p:extLst>
   </p:cSld>
@@ -349,7 +349,7 @@
           <p:cNvPr id="2" name="标题 1">
             <a:extLst>
               <a:ext uri="{FF2B5EF4-FFF2-40B4-BE49-F238E27FC236}">
-                <a16:creationId xmlns:a16="http://schemas.microsoft.com/office/drawing/2014/main" id="{088725C3-0151-C564-E106-42F73B19EA81}"/>
+                <a16:creationId xmlns:a16="http://schemas.microsoft.com/office/drawing/2014/main" id="{22101149-3760-9DBA-F72E-F16F4A65D19F}"/>
               </a:ext>
             </a:extLst>
           </p:cNvPr>
@@ -377,7 +377,7 @@
           <p:cNvPr id="3" name="竖排文字占位符 2">
             <a:extLst>
               <a:ext uri="{FF2B5EF4-FFF2-40B4-BE49-F238E27FC236}">
-                <a16:creationId xmlns:a16="http://schemas.microsoft.com/office/drawing/2014/main" id="{E300A536-EC12-C18D-1EC4-4BA08218D14E}"/>
+                <a16:creationId xmlns:a16="http://schemas.microsoft.com/office/drawing/2014/main" id="{5F7CA263-3FC1-6882-D3E7-5164CBD1B62F}"/>
               </a:ext>
             </a:extLst>
           </p:cNvPr>
@@ -434,7 +434,7 @@
           <p:cNvPr id="4" name="日期占位符 3">
             <a:extLst>
               <a:ext uri="{FF2B5EF4-FFF2-40B4-BE49-F238E27FC236}">
-                <a16:creationId xmlns:a16="http://schemas.microsoft.com/office/drawing/2014/main" id="{863F5E46-C374-26AC-7799-1B270DDB77EE}"/>
+                <a16:creationId xmlns:a16="http://schemas.microsoft.com/office/drawing/2014/main" id="{2D5DD15D-BFDF-10F8-CB33-0CD2725C0D2C}"/>
               </a:ext>
             </a:extLst>
           </p:cNvPr>
@@ -450,7 +450,7 @@
           <a:bodyPr/>
           <a:lstStyle/>
           <a:p>
-            <a:fld id="{1497AC34-043D-4673-BC55-E967B421C37D}" type="datetimeFigureOut">
+            <a:fld id="{1511E06D-EE4C-4F7C-9087-DFE457895C64}" type="datetimeFigureOut">
               <a:rPr lang="zh-CN" altLang="en-US" smtClean="0"/>
               <a:t>2024/3/10</a:t>
             </a:fld>
@@ -463,7 +463,7 @@
           <p:cNvPr id="5" name="页脚占位符 4">
             <a:extLst>
               <a:ext uri="{FF2B5EF4-FFF2-40B4-BE49-F238E27FC236}">
-                <a16:creationId xmlns:a16="http://schemas.microsoft.com/office/drawing/2014/main" id="{CAA591FA-7DF2-EC68-E9F5-807CA69F11EE}"/>
+                <a16:creationId xmlns:a16="http://schemas.microsoft.com/office/drawing/2014/main" id="{D027F2CB-5F10-9190-5AD6-002FC178C6CA}"/>
               </a:ext>
             </a:extLst>
           </p:cNvPr>
@@ -488,7 +488,7 @@
           <p:cNvPr id="6" name="灯片编号占位符 5">
             <a:extLst>
               <a:ext uri="{FF2B5EF4-FFF2-40B4-BE49-F238E27FC236}">
-                <a16:creationId xmlns:a16="http://schemas.microsoft.com/office/drawing/2014/main" id="{CBC7935E-1B83-8D58-731A-D1A43C44DCDD}"/>
+                <a16:creationId xmlns:a16="http://schemas.microsoft.com/office/drawing/2014/main" id="{1B706B30-870E-26D2-DE46-3A837D79C6FC}"/>
               </a:ext>
             </a:extLst>
           </p:cNvPr>
@@ -504,7 +504,7 @@
           <a:bodyPr/>
           <a:lstStyle/>
           <a:p>
-            <a:fld id="{472754D3-E13E-486E-BFC4-CE9C3EA87829}" type="slidenum">
+            <a:fld id="{25B4F66A-457D-43BB-9BDA-B61EEEAAA94E}" type="slidenum">
               <a:rPr lang="zh-CN" altLang="en-US" smtClean="0"/>
               <a:t>‹#›</a:t>
             </a:fld>
@@ -515,7 +515,7 @@
     </p:spTree>
     <p:extLst>
       <p:ext uri="{BB962C8B-B14F-4D97-AF65-F5344CB8AC3E}">
-        <p14:creationId xmlns:p14="http://schemas.microsoft.com/office/powerpoint/2010/main" val="786644260"/>
+        <p14:creationId xmlns:p14="http://schemas.microsoft.com/office/powerpoint/2010/main" val="3201600097"/>
       </p:ext>
     </p:extLst>
   </p:cSld>
@@ -547,7 +547,7 @@
           <p:cNvPr id="2" name="竖排标题 1">
             <a:extLst>
               <a:ext uri="{FF2B5EF4-FFF2-40B4-BE49-F238E27FC236}">
-                <a16:creationId xmlns:a16="http://schemas.microsoft.com/office/drawing/2014/main" id="{12519337-0D8B-8009-0B06-0FE9B8AA1D3D}"/>
+                <a16:creationId xmlns:a16="http://schemas.microsoft.com/office/drawing/2014/main" id="{A6E71DEA-EA82-54A4-D6C7-3ADA85336F23}"/>
               </a:ext>
             </a:extLst>
           </p:cNvPr>
@@ -580,7 +580,7 @@
           <p:cNvPr id="3" name="竖排文字占位符 2">
             <a:extLst>
               <a:ext uri="{FF2B5EF4-FFF2-40B4-BE49-F238E27FC236}">
-                <a16:creationId xmlns:a16="http://schemas.microsoft.com/office/drawing/2014/main" id="{2FC59E77-721E-88B1-2374-1A59A8378BAF}"/>
+                <a16:creationId xmlns:a16="http://schemas.microsoft.com/office/drawing/2014/main" id="{322E963B-1CF9-D5E5-1322-7184B236E047}"/>
               </a:ext>
             </a:extLst>
           </p:cNvPr>
@@ -642,7 +642,7 @@
           <p:cNvPr id="4" name="日期占位符 3">
             <a:extLst>
               <a:ext uri="{FF2B5EF4-FFF2-40B4-BE49-F238E27FC236}">
-                <a16:creationId xmlns:a16="http://schemas.microsoft.com/office/drawing/2014/main" id="{FC31AEBA-82E2-B3EC-3750-519F3895C8D8}"/>
+                <a16:creationId xmlns:a16="http://schemas.microsoft.com/office/drawing/2014/main" id="{F728D458-639E-B300-BA43-B55144F3F1D6}"/>
               </a:ext>
             </a:extLst>
           </p:cNvPr>
@@ -658,7 +658,7 @@
           <a:bodyPr/>
           <a:lstStyle/>
           <a:p>
-            <a:fld id="{1497AC34-043D-4673-BC55-E967B421C37D}" type="datetimeFigureOut">
+            <a:fld id="{1511E06D-EE4C-4F7C-9087-DFE457895C64}" type="datetimeFigureOut">
               <a:rPr lang="zh-CN" altLang="en-US" smtClean="0"/>
               <a:t>2024/3/10</a:t>
             </a:fld>
@@ -671,7 +671,7 @@
           <p:cNvPr id="5" name="页脚占位符 4">
             <a:extLst>
               <a:ext uri="{FF2B5EF4-FFF2-40B4-BE49-F238E27FC236}">
-                <a16:creationId xmlns:a16="http://schemas.microsoft.com/office/drawing/2014/main" id="{E5F22B44-7792-4274-A840-BC78008572BC}"/>
+                <a16:creationId xmlns:a16="http://schemas.microsoft.com/office/drawing/2014/main" id="{0940EB16-E04E-F847-ADD3-D4F4E1831FBA}"/>
               </a:ext>
             </a:extLst>
           </p:cNvPr>
@@ -696,7 +696,7 @@
           <p:cNvPr id="6" name="灯片编号占位符 5">
             <a:extLst>
               <a:ext uri="{FF2B5EF4-FFF2-40B4-BE49-F238E27FC236}">
-                <a16:creationId xmlns:a16="http://schemas.microsoft.com/office/drawing/2014/main" id="{3C7A8C64-89E5-86DE-5959-D8D88979C457}"/>
+                <a16:creationId xmlns:a16="http://schemas.microsoft.com/office/drawing/2014/main" id="{87BF0505-3749-FC87-8D53-A62303BD7029}"/>
               </a:ext>
             </a:extLst>
           </p:cNvPr>
@@ -712,7 +712,7 @@
           <a:bodyPr/>
           <a:lstStyle/>
           <a:p>
-            <a:fld id="{472754D3-E13E-486E-BFC4-CE9C3EA87829}" type="slidenum">
+            <a:fld id="{25B4F66A-457D-43BB-9BDA-B61EEEAAA94E}" type="slidenum">
               <a:rPr lang="zh-CN" altLang="en-US" smtClean="0"/>
               <a:t>‹#›</a:t>
             </a:fld>
@@ -723,7 +723,7 @@
     </p:spTree>
     <p:extLst>
       <p:ext uri="{BB962C8B-B14F-4D97-AF65-F5344CB8AC3E}">
-        <p14:creationId xmlns:p14="http://schemas.microsoft.com/office/powerpoint/2010/main" val="1876629058"/>
+        <p14:creationId xmlns:p14="http://schemas.microsoft.com/office/powerpoint/2010/main" val="2854794132"/>
       </p:ext>
     </p:extLst>
   </p:cSld>
@@ -755,7 +755,7 @@
           <p:cNvPr id="2" name="标题 1">
             <a:extLst>
               <a:ext uri="{FF2B5EF4-FFF2-40B4-BE49-F238E27FC236}">
-                <a16:creationId xmlns:a16="http://schemas.microsoft.com/office/drawing/2014/main" id="{2501C2BC-9958-81EB-2ABD-956E8978FB02}"/>
+                <a16:creationId xmlns:a16="http://schemas.microsoft.com/office/drawing/2014/main" id="{5C42A6B9-5F76-16C8-9355-8390E803AAC5}"/>
               </a:ext>
             </a:extLst>
           </p:cNvPr>
@@ -783,7 +783,7 @@
           <p:cNvPr id="3" name="内容占位符 2">
             <a:extLst>
               <a:ext uri="{FF2B5EF4-FFF2-40B4-BE49-F238E27FC236}">
-                <a16:creationId xmlns:a16="http://schemas.microsoft.com/office/drawing/2014/main" id="{FE064DEB-18C2-5A3E-C790-A950ABEC2361}"/>
+                <a16:creationId xmlns:a16="http://schemas.microsoft.com/office/drawing/2014/main" id="{19746DAB-E4C4-3A9D-3A25-B92764EE1B88}"/>
               </a:ext>
             </a:extLst>
           </p:cNvPr>
@@ -840,7 +840,7 @@
           <p:cNvPr id="4" name="日期占位符 3">
             <a:extLst>
               <a:ext uri="{FF2B5EF4-FFF2-40B4-BE49-F238E27FC236}">
-                <a16:creationId xmlns:a16="http://schemas.microsoft.com/office/drawing/2014/main" id="{98321502-D416-C970-DA02-CCC862186F44}"/>
+                <a16:creationId xmlns:a16="http://schemas.microsoft.com/office/drawing/2014/main" id="{9A78ACD2-707A-74E5-2910-C1709574F2B2}"/>
               </a:ext>
             </a:extLst>
           </p:cNvPr>
@@ -856,7 +856,7 @@
           <a:bodyPr/>
           <a:lstStyle/>
           <a:p>
-            <a:fld id="{1497AC34-043D-4673-BC55-E967B421C37D}" type="datetimeFigureOut">
+            <a:fld id="{1511E06D-EE4C-4F7C-9087-DFE457895C64}" type="datetimeFigureOut">
               <a:rPr lang="zh-CN" altLang="en-US" smtClean="0"/>
               <a:t>2024/3/10</a:t>
             </a:fld>
@@ -869,7 +869,7 @@
           <p:cNvPr id="5" name="页脚占位符 4">
             <a:extLst>
               <a:ext uri="{FF2B5EF4-FFF2-40B4-BE49-F238E27FC236}">
-                <a16:creationId xmlns:a16="http://schemas.microsoft.com/office/drawing/2014/main" id="{5EBD8F3E-75DB-74C5-BD2D-08DB98B0FCB7}"/>
+                <a16:creationId xmlns:a16="http://schemas.microsoft.com/office/drawing/2014/main" id="{7E27327B-63E4-2C8E-2049-250AA3759456}"/>
               </a:ext>
             </a:extLst>
           </p:cNvPr>
@@ -894,7 +894,7 @@
           <p:cNvPr id="6" name="灯片编号占位符 5">
             <a:extLst>
               <a:ext uri="{FF2B5EF4-FFF2-40B4-BE49-F238E27FC236}">
-                <a16:creationId xmlns:a16="http://schemas.microsoft.com/office/drawing/2014/main" id="{8B9274EA-3F71-DBB6-9538-4C92D9CD3739}"/>
+                <a16:creationId xmlns:a16="http://schemas.microsoft.com/office/drawing/2014/main" id="{916BD664-EF80-2E82-1C8B-03954778F2C7}"/>
               </a:ext>
             </a:extLst>
           </p:cNvPr>
@@ -910,7 +910,7 @@
           <a:bodyPr/>
           <a:lstStyle/>
           <a:p>
-            <a:fld id="{472754D3-E13E-486E-BFC4-CE9C3EA87829}" type="slidenum">
+            <a:fld id="{25B4F66A-457D-43BB-9BDA-B61EEEAAA94E}" type="slidenum">
               <a:rPr lang="zh-CN" altLang="en-US" smtClean="0"/>
               <a:t>‹#›</a:t>
             </a:fld>
@@ -921,7 +921,7 @@
     </p:spTree>
     <p:extLst>
       <p:ext uri="{BB962C8B-B14F-4D97-AF65-F5344CB8AC3E}">
-        <p14:creationId xmlns:p14="http://schemas.microsoft.com/office/powerpoint/2010/main" val="4131912353"/>
+        <p14:creationId xmlns:p14="http://schemas.microsoft.com/office/powerpoint/2010/main" val="1472392165"/>
       </p:ext>
     </p:extLst>
   </p:cSld>
@@ -953,7 +953,7 @@
           <p:cNvPr id="2" name="标题 1">
             <a:extLst>
               <a:ext uri="{FF2B5EF4-FFF2-40B4-BE49-F238E27FC236}">
-                <a16:creationId xmlns:a16="http://schemas.microsoft.com/office/drawing/2014/main" id="{984AC063-88E1-BF0F-050F-B44CDF9D9E2B}"/>
+                <a16:creationId xmlns:a16="http://schemas.microsoft.com/office/drawing/2014/main" id="{52F94297-E829-6ABA-260C-282D44746D6F}"/>
               </a:ext>
             </a:extLst>
           </p:cNvPr>
@@ -990,7 +990,7 @@
           <p:cNvPr id="3" name="文本占位符 2">
             <a:extLst>
               <a:ext uri="{FF2B5EF4-FFF2-40B4-BE49-F238E27FC236}">
-                <a16:creationId xmlns:a16="http://schemas.microsoft.com/office/drawing/2014/main" id="{C4BAD701-C2EF-477C-F27B-4D6B5D662AD8}"/>
+                <a16:creationId xmlns:a16="http://schemas.microsoft.com/office/drawing/2014/main" id="{AB7AD176-5EDE-EAD8-FC5F-D55CDD51834A}"/>
               </a:ext>
             </a:extLst>
           </p:cNvPr>
@@ -1115,7 +1115,7 @@
           <p:cNvPr id="4" name="日期占位符 3">
             <a:extLst>
               <a:ext uri="{FF2B5EF4-FFF2-40B4-BE49-F238E27FC236}">
-                <a16:creationId xmlns:a16="http://schemas.microsoft.com/office/drawing/2014/main" id="{D326A08A-C619-0929-36FC-FF909D1B1F7E}"/>
+                <a16:creationId xmlns:a16="http://schemas.microsoft.com/office/drawing/2014/main" id="{3E2DF641-886C-C6A9-7D5E-F78A442FD1C7}"/>
               </a:ext>
             </a:extLst>
           </p:cNvPr>
@@ -1131,7 +1131,7 @@
           <a:bodyPr/>
           <a:lstStyle/>
           <a:p>
-            <a:fld id="{1497AC34-043D-4673-BC55-E967B421C37D}" type="datetimeFigureOut">
+            <a:fld id="{1511E06D-EE4C-4F7C-9087-DFE457895C64}" type="datetimeFigureOut">
               <a:rPr lang="zh-CN" altLang="en-US" smtClean="0"/>
               <a:t>2024/3/10</a:t>
             </a:fld>
@@ -1144,7 +1144,7 @@
           <p:cNvPr id="5" name="页脚占位符 4">
             <a:extLst>
               <a:ext uri="{FF2B5EF4-FFF2-40B4-BE49-F238E27FC236}">
-                <a16:creationId xmlns:a16="http://schemas.microsoft.com/office/drawing/2014/main" id="{A3834AC2-B551-BB02-3A01-D15E61C19F56}"/>
+                <a16:creationId xmlns:a16="http://schemas.microsoft.com/office/drawing/2014/main" id="{EFCD5DF5-0444-553E-93A8-D7BACA7DF9AB}"/>
               </a:ext>
             </a:extLst>
           </p:cNvPr>
@@ -1169,7 +1169,7 @@
           <p:cNvPr id="6" name="灯片编号占位符 5">
             <a:extLst>
               <a:ext uri="{FF2B5EF4-FFF2-40B4-BE49-F238E27FC236}">
-                <a16:creationId xmlns:a16="http://schemas.microsoft.com/office/drawing/2014/main" id="{C5700333-EBE0-66D0-56DA-080CAE0992FD}"/>
+                <a16:creationId xmlns:a16="http://schemas.microsoft.com/office/drawing/2014/main" id="{3FBD7054-A7BF-079F-761D-11EFD7B9E8FE}"/>
               </a:ext>
             </a:extLst>
           </p:cNvPr>
@@ -1185,7 +1185,7 @@
           <a:bodyPr/>
           <a:lstStyle/>
           <a:p>
-            <a:fld id="{472754D3-E13E-486E-BFC4-CE9C3EA87829}" type="slidenum">
+            <a:fld id="{25B4F66A-457D-43BB-9BDA-B61EEEAAA94E}" type="slidenum">
               <a:rPr lang="zh-CN" altLang="en-US" smtClean="0"/>
               <a:t>‹#›</a:t>
             </a:fld>
@@ -1196,7 +1196,7 @@
     </p:spTree>
     <p:extLst>
       <p:ext uri="{BB962C8B-B14F-4D97-AF65-F5344CB8AC3E}">
-        <p14:creationId xmlns:p14="http://schemas.microsoft.com/office/powerpoint/2010/main" val="2318211652"/>
+        <p14:creationId xmlns:p14="http://schemas.microsoft.com/office/powerpoint/2010/main" val="2980149791"/>
       </p:ext>
     </p:extLst>
   </p:cSld>
@@ -1228,7 +1228,7 @@
           <p:cNvPr id="2" name="标题 1">
             <a:extLst>
               <a:ext uri="{FF2B5EF4-FFF2-40B4-BE49-F238E27FC236}">
-                <a16:creationId xmlns:a16="http://schemas.microsoft.com/office/drawing/2014/main" id="{DAC1FE64-5F0E-0866-CC7B-100D0193DF30}"/>
+                <a16:creationId xmlns:a16="http://schemas.microsoft.com/office/drawing/2014/main" id="{93FE9D5F-0BDE-3D74-61D9-2F84AD93866B}"/>
               </a:ext>
             </a:extLst>
           </p:cNvPr>
@@ -1256,7 +1256,7 @@
           <p:cNvPr id="3" name="内容占位符 2">
             <a:extLst>
               <a:ext uri="{FF2B5EF4-FFF2-40B4-BE49-F238E27FC236}">
-                <a16:creationId xmlns:a16="http://schemas.microsoft.com/office/drawing/2014/main" id="{2B605462-968F-65D2-1E44-B045E46A4531}"/>
+                <a16:creationId xmlns:a16="http://schemas.microsoft.com/office/drawing/2014/main" id="{8B077C37-7BED-920C-50BB-780BC6CF37D3}"/>
               </a:ext>
             </a:extLst>
           </p:cNvPr>
@@ -1318,7 +1318,7 @@
           <p:cNvPr id="4" name="内容占位符 3">
             <a:extLst>
               <a:ext uri="{FF2B5EF4-FFF2-40B4-BE49-F238E27FC236}">
-                <a16:creationId xmlns:a16="http://schemas.microsoft.com/office/drawing/2014/main" id="{9375BCF7-FF07-DFC1-F585-72F37FD5D6F6}"/>
+                <a16:creationId xmlns:a16="http://schemas.microsoft.com/office/drawing/2014/main" id="{F029B1BF-4228-70CF-3F81-3D26C21C7EBC}"/>
               </a:ext>
             </a:extLst>
           </p:cNvPr>
@@ -1380,7 +1380,7 @@
           <p:cNvPr id="5" name="日期占位符 4">
             <a:extLst>
               <a:ext uri="{FF2B5EF4-FFF2-40B4-BE49-F238E27FC236}">
-                <a16:creationId xmlns:a16="http://schemas.microsoft.com/office/drawing/2014/main" id="{29D7CB3B-C678-29EC-E79E-446525E9A177}"/>
+                <a16:creationId xmlns:a16="http://schemas.microsoft.com/office/drawing/2014/main" id="{52294CF9-ECCB-7C14-BAA0-6E4569A910A8}"/>
               </a:ext>
             </a:extLst>
           </p:cNvPr>
@@ -1396,7 +1396,7 @@
           <a:bodyPr/>
           <a:lstStyle/>
           <a:p>
-            <a:fld id="{1497AC34-043D-4673-BC55-E967B421C37D}" type="datetimeFigureOut">
+            <a:fld id="{1511E06D-EE4C-4F7C-9087-DFE457895C64}" type="datetimeFigureOut">
               <a:rPr lang="zh-CN" altLang="en-US" smtClean="0"/>
               <a:t>2024/3/10</a:t>
             </a:fld>
@@ -1409,7 +1409,7 @@
           <p:cNvPr id="6" name="页脚占位符 5">
             <a:extLst>
               <a:ext uri="{FF2B5EF4-FFF2-40B4-BE49-F238E27FC236}">
-                <a16:creationId xmlns:a16="http://schemas.microsoft.com/office/drawing/2014/main" id="{5229CCB1-A6A8-7BD7-EEE6-70EA39064782}"/>
+                <a16:creationId xmlns:a16="http://schemas.microsoft.com/office/drawing/2014/main" id="{8E8CA8BF-1F9D-10FF-306F-5EB29CF2ADE0}"/>
               </a:ext>
             </a:extLst>
           </p:cNvPr>
@@ -1434,7 +1434,7 @@
           <p:cNvPr id="7" name="灯片编号占位符 6">
             <a:extLst>
               <a:ext uri="{FF2B5EF4-FFF2-40B4-BE49-F238E27FC236}">
-                <a16:creationId xmlns:a16="http://schemas.microsoft.com/office/drawing/2014/main" id="{C8A8EDE8-2FE1-9913-2454-5AB0C32A6D1C}"/>
+                <a16:creationId xmlns:a16="http://schemas.microsoft.com/office/drawing/2014/main" id="{CC35443B-BB28-A4D6-9364-FF0D89DDB075}"/>
               </a:ext>
             </a:extLst>
           </p:cNvPr>
@@ -1450,7 +1450,7 @@
           <a:bodyPr/>
           <a:lstStyle/>
           <a:p>
-            <a:fld id="{472754D3-E13E-486E-BFC4-CE9C3EA87829}" type="slidenum">
+            <a:fld id="{25B4F66A-457D-43BB-9BDA-B61EEEAAA94E}" type="slidenum">
               <a:rPr lang="zh-CN" altLang="en-US" smtClean="0"/>
               <a:t>‹#›</a:t>
             </a:fld>
@@ -1461,7 +1461,7 @@
     </p:spTree>
     <p:extLst>
       <p:ext uri="{BB962C8B-B14F-4D97-AF65-F5344CB8AC3E}">
-        <p14:creationId xmlns:p14="http://schemas.microsoft.com/office/powerpoint/2010/main" val="403848126"/>
+        <p14:creationId xmlns:p14="http://schemas.microsoft.com/office/powerpoint/2010/main" val="624541514"/>
       </p:ext>
     </p:extLst>
   </p:cSld>
@@ -1493,7 +1493,7 @@
           <p:cNvPr id="2" name="标题 1">
             <a:extLst>
               <a:ext uri="{FF2B5EF4-FFF2-40B4-BE49-F238E27FC236}">
-                <a16:creationId xmlns:a16="http://schemas.microsoft.com/office/drawing/2014/main" id="{ABB9B3C1-ED54-57ED-98ED-B8D4A53705F6}"/>
+                <a16:creationId xmlns:a16="http://schemas.microsoft.com/office/drawing/2014/main" id="{D0A9E6AE-03E9-9E3B-6450-BBF2ED6DD7C1}"/>
               </a:ext>
             </a:extLst>
           </p:cNvPr>
@@ -1526,7 +1526,7 @@
           <p:cNvPr id="3" name="文本占位符 2">
             <a:extLst>
               <a:ext uri="{FF2B5EF4-FFF2-40B4-BE49-F238E27FC236}">
-                <a16:creationId xmlns:a16="http://schemas.microsoft.com/office/drawing/2014/main" id="{D87CD007-57AD-AB39-DC3B-58B1343DE633}"/>
+                <a16:creationId xmlns:a16="http://schemas.microsoft.com/office/drawing/2014/main" id="{68DD750A-D57C-D24E-F240-5F54EC7C99CF}"/>
               </a:ext>
             </a:extLst>
           </p:cNvPr>
@@ -1597,7 +1597,7 @@
           <p:cNvPr id="4" name="内容占位符 3">
             <a:extLst>
               <a:ext uri="{FF2B5EF4-FFF2-40B4-BE49-F238E27FC236}">
-                <a16:creationId xmlns:a16="http://schemas.microsoft.com/office/drawing/2014/main" id="{753AABB7-57C9-41C4-46FC-47568DA298E9}"/>
+                <a16:creationId xmlns:a16="http://schemas.microsoft.com/office/drawing/2014/main" id="{A6B42083-E5DB-1123-79EA-038DE355AF33}"/>
               </a:ext>
             </a:extLst>
           </p:cNvPr>
@@ -1659,7 +1659,7 @@
           <p:cNvPr id="5" name="文本占位符 4">
             <a:extLst>
               <a:ext uri="{FF2B5EF4-FFF2-40B4-BE49-F238E27FC236}">
-                <a16:creationId xmlns:a16="http://schemas.microsoft.com/office/drawing/2014/main" id="{6005096B-CA49-1DC5-A947-742EFE49072B}"/>
+                <a16:creationId xmlns:a16="http://schemas.microsoft.com/office/drawing/2014/main" id="{C50B7164-436B-3D8A-6536-EDA967756241}"/>
               </a:ext>
             </a:extLst>
           </p:cNvPr>
@@ -1730,7 +1730,7 @@
           <p:cNvPr id="6" name="内容占位符 5">
             <a:extLst>
               <a:ext uri="{FF2B5EF4-FFF2-40B4-BE49-F238E27FC236}">
-                <a16:creationId xmlns:a16="http://schemas.microsoft.com/office/drawing/2014/main" id="{1CBE81B8-0717-3213-405F-267B686CC96C}"/>
+                <a16:creationId xmlns:a16="http://schemas.microsoft.com/office/drawing/2014/main" id="{94D4DC49-AFE3-295E-E708-7BFB2F73203E}"/>
               </a:ext>
             </a:extLst>
           </p:cNvPr>
@@ -1792,7 +1792,7 @@
           <p:cNvPr id="7" name="日期占位符 6">
             <a:extLst>
               <a:ext uri="{FF2B5EF4-FFF2-40B4-BE49-F238E27FC236}">
-                <a16:creationId xmlns:a16="http://schemas.microsoft.com/office/drawing/2014/main" id="{746F739A-1CC1-9BC9-A6EB-22660AF64BB0}"/>
+                <a16:creationId xmlns:a16="http://schemas.microsoft.com/office/drawing/2014/main" id="{B047DAB8-B94D-49FC-4254-2FDBD9925075}"/>
               </a:ext>
             </a:extLst>
           </p:cNvPr>
@@ -1808,7 +1808,7 @@
           <a:bodyPr/>
           <a:lstStyle/>
           <a:p>
-            <a:fld id="{1497AC34-043D-4673-BC55-E967B421C37D}" type="datetimeFigureOut">
+            <a:fld id="{1511E06D-EE4C-4F7C-9087-DFE457895C64}" type="datetimeFigureOut">
               <a:rPr lang="zh-CN" altLang="en-US" smtClean="0"/>
               <a:t>2024/3/10</a:t>
             </a:fld>
@@ -1821,7 +1821,7 @@
           <p:cNvPr id="8" name="页脚占位符 7">
             <a:extLst>
               <a:ext uri="{FF2B5EF4-FFF2-40B4-BE49-F238E27FC236}">
-                <a16:creationId xmlns:a16="http://schemas.microsoft.com/office/drawing/2014/main" id="{0282D176-6A7F-6F42-0607-A7208351FB17}"/>
+                <a16:creationId xmlns:a16="http://schemas.microsoft.com/office/drawing/2014/main" id="{A81ED467-1556-AD33-152B-E411C56730B9}"/>
               </a:ext>
             </a:extLst>
           </p:cNvPr>
@@ -1846,7 +1846,7 @@
           <p:cNvPr id="9" name="灯片编号占位符 8">
             <a:extLst>
               <a:ext uri="{FF2B5EF4-FFF2-40B4-BE49-F238E27FC236}">
-                <a16:creationId xmlns:a16="http://schemas.microsoft.com/office/drawing/2014/main" id="{0A4C1243-ABB7-92C8-6A1F-BA5120124667}"/>
+                <a16:creationId xmlns:a16="http://schemas.microsoft.com/office/drawing/2014/main" id="{A7251202-89A5-E249-9BA1-7C107C656D21}"/>
               </a:ext>
             </a:extLst>
           </p:cNvPr>
@@ -1862,7 +1862,7 @@
           <a:bodyPr/>
           <a:lstStyle/>
           <a:p>
-            <a:fld id="{472754D3-E13E-486E-BFC4-CE9C3EA87829}" type="slidenum">
+            <a:fld id="{25B4F66A-457D-43BB-9BDA-B61EEEAAA94E}" type="slidenum">
               <a:rPr lang="zh-CN" altLang="en-US" smtClean="0"/>
               <a:t>‹#›</a:t>
             </a:fld>
@@ -1873,7 +1873,7 @@
     </p:spTree>
     <p:extLst>
       <p:ext uri="{BB962C8B-B14F-4D97-AF65-F5344CB8AC3E}">
-        <p14:creationId xmlns:p14="http://schemas.microsoft.com/office/powerpoint/2010/main" val="3749384044"/>
+        <p14:creationId xmlns:p14="http://schemas.microsoft.com/office/powerpoint/2010/main" val="3740410440"/>
       </p:ext>
     </p:extLst>
   </p:cSld>
@@ -1905,7 +1905,7 @@
           <p:cNvPr id="2" name="标题 1">
             <a:extLst>
               <a:ext uri="{FF2B5EF4-FFF2-40B4-BE49-F238E27FC236}">
-                <a16:creationId xmlns:a16="http://schemas.microsoft.com/office/drawing/2014/main" id="{0E13E725-E3A6-A6FA-7F46-604C6141FBD7}"/>
+                <a16:creationId xmlns:a16="http://schemas.microsoft.com/office/drawing/2014/main" id="{5223BE62-5411-9F3D-818F-726113ADAFB2}"/>
               </a:ext>
             </a:extLst>
           </p:cNvPr>
@@ -1933,7 +1933,7 @@
           <p:cNvPr id="3" name="日期占位符 2">
             <a:extLst>
               <a:ext uri="{FF2B5EF4-FFF2-40B4-BE49-F238E27FC236}">
-                <a16:creationId xmlns:a16="http://schemas.microsoft.com/office/drawing/2014/main" id="{BBAA50C3-321C-D65F-7D5E-13FFF4DB104E}"/>
+                <a16:creationId xmlns:a16="http://schemas.microsoft.com/office/drawing/2014/main" id="{33FE6AE6-622E-BC39-EDC9-C45248545AB7}"/>
               </a:ext>
             </a:extLst>
           </p:cNvPr>
@@ -1949,7 +1949,7 @@
           <a:bodyPr/>
           <a:lstStyle/>
           <a:p>
-            <a:fld id="{1497AC34-043D-4673-BC55-E967B421C37D}" type="datetimeFigureOut">
+            <a:fld id="{1511E06D-EE4C-4F7C-9087-DFE457895C64}" type="datetimeFigureOut">
               <a:rPr lang="zh-CN" altLang="en-US" smtClean="0"/>
               <a:t>2024/3/10</a:t>
             </a:fld>
@@ -1962,7 +1962,7 @@
           <p:cNvPr id="4" name="页脚占位符 3">
             <a:extLst>
               <a:ext uri="{FF2B5EF4-FFF2-40B4-BE49-F238E27FC236}">
-                <a16:creationId xmlns:a16="http://schemas.microsoft.com/office/drawing/2014/main" id="{4A6365A0-D9F9-ACDC-A7D5-F1596AC58B4C}"/>
+                <a16:creationId xmlns:a16="http://schemas.microsoft.com/office/drawing/2014/main" id="{41939B57-3B34-83B2-D2DB-021CB0149490}"/>
               </a:ext>
             </a:extLst>
           </p:cNvPr>
@@ -1987,7 +1987,7 @@
           <p:cNvPr id="5" name="灯片编号占位符 4">
             <a:extLst>
               <a:ext uri="{FF2B5EF4-FFF2-40B4-BE49-F238E27FC236}">
-                <a16:creationId xmlns:a16="http://schemas.microsoft.com/office/drawing/2014/main" id="{0657F0BC-B229-AE2B-971A-22C7CD6A65D8}"/>
+                <a16:creationId xmlns:a16="http://schemas.microsoft.com/office/drawing/2014/main" id="{948EEB8F-DA60-4439-BBBA-E555D33A593F}"/>
               </a:ext>
             </a:extLst>
           </p:cNvPr>
@@ -2003,7 +2003,7 @@
           <a:bodyPr/>
           <a:lstStyle/>
           <a:p>
-            <a:fld id="{472754D3-E13E-486E-BFC4-CE9C3EA87829}" type="slidenum">
+            <a:fld id="{25B4F66A-457D-43BB-9BDA-B61EEEAAA94E}" type="slidenum">
               <a:rPr lang="zh-CN" altLang="en-US" smtClean="0"/>
               <a:t>‹#›</a:t>
             </a:fld>
@@ -2014,7 +2014,7 @@
     </p:spTree>
     <p:extLst>
       <p:ext uri="{BB962C8B-B14F-4D97-AF65-F5344CB8AC3E}">
-        <p14:creationId xmlns:p14="http://schemas.microsoft.com/office/powerpoint/2010/main" val="895737417"/>
+        <p14:creationId xmlns:p14="http://schemas.microsoft.com/office/powerpoint/2010/main" val="815660144"/>
       </p:ext>
     </p:extLst>
   </p:cSld>
@@ -2046,7 +2046,7 @@
           <p:cNvPr id="2" name="日期占位符 1">
             <a:extLst>
               <a:ext uri="{FF2B5EF4-FFF2-40B4-BE49-F238E27FC236}">
-                <a16:creationId xmlns:a16="http://schemas.microsoft.com/office/drawing/2014/main" id="{82F90015-5654-F939-FD5A-7069B78A71C4}"/>
+                <a16:creationId xmlns:a16="http://schemas.microsoft.com/office/drawing/2014/main" id="{00C62FC1-B3CA-3D92-B256-C238FE7BCBB9}"/>
               </a:ext>
             </a:extLst>
           </p:cNvPr>
@@ -2062,7 +2062,7 @@
           <a:bodyPr/>
           <a:lstStyle/>
           <a:p>
-            <a:fld id="{1497AC34-043D-4673-BC55-E967B421C37D}" type="datetimeFigureOut">
+            <a:fld id="{1511E06D-EE4C-4F7C-9087-DFE457895C64}" type="datetimeFigureOut">
               <a:rPr lang="zh-CN" altLang="en-US" smtClean="0"/>
               <a:t>2024/3/10</a:t>
             </a:fld>
@@ -2075,7 +2075,7 @@
           <p:cNvPr id="3" name="页脚占位符 2">
             <a:extLst>
               <a:ext uri="{FF2B5EF4-FFF2-40B4-BE49-F238E27FC236}">
-                <a16:creationId xmlns:a16="http://schemas.microsoft.com/office/drawing/2014/main" id="{A2EC8122-7C4F-5B34-2107-FBA3A949F503}"/>
+                <a16:creationId xmlns:a16="http://schemas.microsoft.com/office/drawing/2014/main" id="{AC26B620-7F13-9301-3ED0-4826F0A98AF3}"/>
               </a:ext>
             </a:extLst>
           </p:cNvPr>
@@ -2100,7 +2100,7 @@
           <p:cNvPr id="4" name="灯片编号占位符 3">
             <a:extLst>
               <a:ext uri="{FF2B5EF4-FFF2-40B4-BE49-F238E27FC236}">
-                <a16:creationId xmlns:a16="http://schemas.microsoft.com/office/drawing/2014/main" id="{0C1B8748-0903-4E97-8C56-6B2DD0400DCB}"/>
+                <a16:creationId xmlns:a16="http://schemas.microsoft.com/office/drawing/2014/main" id="{C0D3ABD4-FDFC-17EC-ACCD-4A61EA09DDF3}"/>
               </a:ext>
             </a:extLst>
           </p:cNvPr>
@@ -2116,7 +2116,7 @@
           <a:bodyPr/>
           <a:lstStyle/>
           <a:p>
-            <a:fld id="{472754D3-E13E-486E-BFC4-CE9C3EA87829}" type="slidenum">
+            <a:fld id="{25B4F66A-457D-43BB-9BDA-B61EEEAAA94E}" type="slidenum">
               <a:rPr lang="zh-CN" altLang="en-US" smtClean="0"/>
               <a:t>‹#›</a:t>
             </a:fld>
@@ -2127,7 +2127,7 @@
     </p:spTree>
     <p:extLst>
       <p:ext uri="{BB962C8B-B14F-4D97-AF65-F5344CB8AC3E}">
-        <p14:creationId xmlns:p14="http://schemas.microsoft.com/office/powerpoint/2010/main" val="751718530"/>
+        <p14:creationId xmlns:p14="http://schemas.microsoft.com/office/powerpoint/2010/main" val="2510617590"/>
       </p:ext>
     </p:extLst>
   </p:cSld>
@@ -2159,7 +2159,7 @@
           <p:cNvPr id="2" name="标题 1">
             <a:extLst>
               <a:ext uri="{FF2B5EF4-FFF2-40B4-BE49-F238E27FC236}">
-                <a16:creationId xmlns:a16="http://schemas.microsoft.com/office/drawing/2014/main" id="{34328203-A933-C790-110C-6FEDDFC0B78A}"/>
+                <a16:creationId xmlns:a16="http://schemas.microsoft.com/office/drawing/2014/main" id="{5A9C2616-EB7A-B6C6-D1FE-6307351FC66C}"/>
               </a:ext>
             </a:extLst>
           </p:cNvPr>
@@ -2196,7 +2196,7 @@
           <p:cNvPr id="3" name="内容占位符 2">
             <a:extLst>
               <a:ext uri="{FF2B5EF4-FFF2-40B4-BE49-F238E27FC236}">
-                <a16:creationId xmlns:a16="http://schemas.microsoft.com/office/drawing/2014/main" id="{15948253-2BC1-1453-F603-92F4D5CDA2D1}"/>
+                <a16:creationId xmlns:a16="http://schemas.microsoft.com/office/drawing/2014/main" id="{6F3A58FD-FEC0-92BF-EBB9-63D76B3BC6CA}"/>
               </a:ext>
             </a:extLst>
           </p:cNvPr>
@@ -2286,7 +2286,7 @@
           <p:cNvPr id="4" name="文本占位符 3">
             <a:extLst>
               <a:ext uri="{FF2B5EF4-FFF2-40B4-BE49-F238E27FC236}">
-                <a16:creationId xmlns:a16="http://schemas.microsoft.com/office/drawing/2014/main" id="{B964B565-9A49-D480-4CAD-9BBCB1D9AC33}"/>
+                <a16:creationId xmlns:a16="http://schemas.microsoft.com/office/drawing/2014/main" id="{17E2391E-19A0-2694-5F95-5BA6693EB54A}"/>
               </a:ext>
             </a:extLst>
           </p:cNvPr>
@@ -2357,7 +2357,7 @@
           <p:cNvPr id="5" name="日期占位符 4">
             <a:extLst>
               <a:ext uri="{FF2B5EF4-FFF2-40B4-BE49-F238E27FC236}">
-                <a16:creationId xmlns:a16="http://schemas.microsoft.com/office/drawing/2014/main" id="{806217E2-3CEA-4B53-724F-4AE2D9B5BC60}"/>
+                <a16:creationId xmlns:a16="http://schemas.microsoft.com/office/drawing/2014/main" id="{1D6E0977-54E9-B3E5-5351-D44C19AC5E4F}"/>
               </a:ext>
             </a:extLst>
           </p:cNvPr>
@@ -2373,7 +2373,7 @@
           <a:bodyPr/>
           <a:lstStyle/>
           <a:p>
-            <a:fld id="{1497AC34-043D-4673-BC55-E967B421C37D}" type="datetimeFigureOut">
+            <a:fld id="{1511E06D-EE4C-4F7C-9087-DFE457895C64}" type="datetimeFigureOut">
               <a:rPr lang="zh-CN" altLang="en-US" smtClean="0"/>
               <a:t>2024/3/10</a:t>
             </a:fld>
@@ -2386,7 +2386,7 @@
           <p:cNvPr id="6" name="页脚占位符 5">
             <a:extLst>
               <a:ext uri="{FF2B5EF4-FFF2-40B4-BE49-F238E27FC236}">
-                <a16:creationId xmlns:a16="http://schemas.microsoft.com/office/drawing/2014/main" id="{991B1379-D952-3B5E-CBA4-B7AEB4436C22}"/>
+                <a16:creationId xmlns:a16="http://schemas.microsoft.com/office/drawing/2014/main" id="{8E8F6E51-FAEE-D1CF-0E14-046015B7EDDA}"/>
               </a:ext>
             </a:extLst>
           </p:cNvPr>
@@ -2411,7 +2411,7 @@
           <p:cNvPr id="7" name="灯片编号占位符 6">
             <a:extLst>
               <a:ext uri="{FF2B5EF4-FFF2-40B4-BE49-F238E27FC236}">
-                <a16:creationId xmlns:a16="http://schemas.microsoft.com/office/drawing/2014/main" id="{72BC9253-F198-384B-E99F-5DC5723C141D}"/>
+                <a16:creationId xmlns:a16="http://schemas.microsoft.com/office/drawing/2014/main" id="{E1FD07AD-BF10-64D2-669B-487FB856AB78}"/>
               </a:ext>
             </a:extLst>
           </p:cNvPr>
@@ -2427,7 +2427,7 @@
           <a:bodyPr/>
           <a:lstStyle/>
           <a:p>
-            <a:fld id="{472754D3-E13E-486E-BFC4-CE9C3EA87829}" type="slidenum">
+            <a:fld id="{25B4F66A-457D-43BB-9BDA-B61EEEAAA94E}" type="slidenum">
               <a:rPr lang="zh-CN" altLang="en-US" smtClean="0"/>
               <a:t>‹#›</a:t>
             </a:fld>
@@ -2438,7 +2438,7 @@
     </p:spTree>
     <p:extLst>
       <p:ext uri="{BB962C8B-B14F-4D97-AF65-F5344CB8AC3E}">
-        <p14:creationId xmlns:p14="http://schemas.microsoft.com/office/powerpoint/2010/main" val="1837498391"/>
+        <p14:creationId xmlns:p14="http://schemas.microsoft.com/office/powerpoint/2010/main" val="3025358934"/>
       </p:ext>
     </p:extLst>
   </p:cSld>
@@ -2470,7 +2470,7 @@
           <p:cNvPr id="2" name="标题 1">
             <a:extLst>
               <a:ext uri="{FF2B5EF4-FFF2-40B4-BE49-F238E27FC236}">
-                <a16:creationId xmlns:a16="http://schemas.microsoft.com/office/drawing/2014/main" id="{1A79A282-D2F6-8D0F-F519-50B51DAF7C50}"/>
+                <a16:creationId xmlns:a16="http://schemas.microsoft.com/office/drawing/2014/main" id="{227D7C28-2E1A-D9D3-5B98-0F4AA4C24AF8}"/>
               </a:ext>
             </a:extLst>
           </p:cNvPr>
@@ -2507,7 +2507,7 @@
           <p:cNvPr id="3" name="图片占位符 2">
             <a:extLst>
               <a:ext uri="{FF2B5EF4-FFF2-40B4-BE49-F238E27FC236}">
-                <a16:creationId xmlns:a16="http://schemas.microsoft.com/office/drawing/2014/main" id="{2D1AA4C9-1CDB-CC55-17EC-170D65FF52B8}"/>
+                <a16:creationId xmlns:a16="http://schemas.microsoft.com/office/drawing/2014/main" id="{45B04DA3-660F-D1AE-A782-2FFF0A67C24A}"/>
               </a:ext>
             </a:extLst>
           </p:cNvPr>
@@ -2574,7 +2574,7 @@
           <p:cNvPr id="4" name="文本占位符 3">
             <a:extLst>
               <a:ext uri="{FF2B5EF4-FFF2-40B4-BE49-F238E27FC236}">
-                <a16:creationId xmlns:a16="http://schemas.microsoft.com/office/drawing/2014/main" id="{4DC03F95-111C-B9D8-58C9-5B0C89674307}"/>
+                <a16:creationId xmlns:a16="http://schemas.microsoft.com/office/drawing/2014/main" id="{626B2DB2-8412-18B5-9096-1CDD47710363}"/>
               </a:ext>
             </a:extLst>
           </p:cNvPr>
@@ -2645,7 +2645,7 @@
           <p:cNvPr id="5" name="日期占位符 4">
             <a:extLst>
               <a:ext uri="{FF2B5EF4-FFF2-40B4-BE49-F238E27FC236}">
-                <a16:creationId xmlns:a16="http://schemas.microsoft.com/office/drawing/2014/main" id="{E3A2748B-F369-B8A7-A82F-F7ABCAB2C7BA}"/>
+                <a16:creationId xmlns:a16="http://schemas.microsoft.com/office/drawing/2014/main" id="{189E2033-9857-CDC0-41B7-761A4D1FDFA0}"/>
               </a:ext>
             </a:extLst>
           </p:cNvPr>
@@ -2661,7 +2661,7 @@
           <a:bodyPr/>
           <a:lstStyle/>
           <a:p>
-            <a:fld id="{1497AC34-043D-4673-BC55-E967B421C37D}" type="datetimeFigureOut">
+            <a:fld id="{1511E06D-EE4C-4F7C-9087-DFE457895C64}" type="datetimeFigureOut">
               <a:rPr lang="zh-CN" altLang="en-US" smtClean="0"/>
               <a:t>2024/3/10</a:t>
             </a:fld>
@@ -2674,7 +2674,7 @@
           <p:cNvPr id="6" name="页脚占位符 5">
             <a:extLst>
               <a:ext uri="{FF2B5EF4-FFF2-40B4-BE49-F238E27FC236}">
-                <a16:creationId xmlns:a16="http://schemas.microsoft.com/office/drawing/2014/main" id="{77BC2C14-D84C-65F2-B88C-96B9E7A232A4}"/>
+                <a16:creationId xmlns:a16="http://schemas.microsoft.com/office/drawing/2014/main" id="{7E42A6EB-F351-65C6-540F-10F0B8DA3CDD}"/>
               </a:ext>
             </a:extLst>
           </p:cNvPr>
@@ -2699,7 +2699,7 @@
           <p:cNvPr id="7" name="灯片编号占位符 6">
             <a:extLst>
               <a:ext uri="{FF2B5EF4-FFF2-40B4-BE49-F238E27FC236}">
-                <a16:creationId xmlns:a16="http://schemas.microsoft.com/office/drawing/2014/main" id="{615075A5-CB1E-07AA-A630-20A820B0AA06}"/>
+                <a16:creationId xmlns:a16="http://schemas.microsoft.com/office/drawing/2014/main" id="{36076D0D-0ABD-3029-3874-82923F552536}"/>
               </a:ext>
             </a:extLst>
           </p:cNvPr>
@@ -2715,7 +2715,7 @@
           <a:bodyPr/>
           <a:lstStyle/>
           <a:p>
-            <a:fld id="{472754D3-E13E-486E-BFC4-CE9C3EA87829}" type="slidenum">
+            <a:fld id="{25B4F66A-457D-43BB-9BDA-B61EEEAAA94E}" type="slidenum">
               <a:rPr lang="zh-CN" altLang="en-US" smtClean="0"/>
               <a:t>‹#›</a:t>
             </a:fld>
@@ -2726,7 +2726,7 @@
     </p:spTree>
     <p:extLst>
       <p:ext uri="{BB962C8B-B14F-4D97-AF65-F5344CB8AC3E}">
-        <p14:creationId xmlns:p14="http://schemas.microsoft.com/office/powerpoint/2010/main" val="2693000023"/>
+        <p14:creationId xmlns:p14="http://schemas.microsoft.com/office/powerpoint/2010/main" val="1849161648"/>
       </p:ext>
     </p:extLst>
   </p:cSld>
@@ -2763,7 +2763,7 @@
           <p:cNvPr id="2" name="标题占位符 1">
             <a:extLst>
               <a:ext uri="{FF2B5EF4-FFF2-40B4-BE49-F238E27FC236}">
-                <a16:creationId xmlns:a16="http://schemas.microsoft.com/office/drawing/2014/main" id="{B718B9D4-1F99-681A-9311-69481EEC6CD2}"/>
+                <a16:creationId xmlns:a16="http://schemas.microsoft.com/office/drawing/2014/main" id="{8F0F72BC-C063-D5FD-E44D-FBC192A515A6}"/>
               </a:ext>
             </a:extLst>
           </p:cNvPr>
@@ -2801,7 +2801,7 @@
           <p:cNvPr id="3" name="文本占位符 2">
             <a:extLst>
               <a:ext uri="{FF2B5EF4-FFF2-40B4-BE49-F238E27FC236}">
-                <a16:creationId xmlns:a16="http://schemas.microsoft.com/office/drawing/2014/main" id="{E72D08A0-1361-A409-D85B-564CC942BC0D}"/>
+                <a16:creationId xmlns:a16="http://schemas.microsoft.com/office/drawing/2014/main" id="{5A073941-1140-B06E-863E-D5C085F37593}"/>
               </a:ext>
             </a:extLst>
           </p:cNvPr>
@@ -2868,7 +2868,7 @@
           <p:cNvPr id="4" name="日期占位符 3">
             <a:extLst>
               <a:ext uri="{FF2B5EF4-FFF2-40B4-BE49-F238E27FC236}">
-                <a16:creationId xmlns:a16="http://schemas.microsoft.com/office/drawing/2014/main" id="{C9500D9F-50ED-F6CA-1093-F5C09CAE955E}"/>
+                <a16:creationId xmlns:a16="http://schemas.microsoft.com/office/drawing/2014/main" id="{061DF2E2-1F94-127D-F255-024654ACF6CA}"/>
               </a:ext>
             </a:extLst>
           </p:cNvPr>
@@ -2902,7 +2902,7 @@
             </a:lvl1pPr>
           </a:lstStyle>
           <a:p>
-            <a:fld id="{1497AC34-043D-4673-BC55-E967B421C37D}" type="datetimeFigureOut">
+            <a:fld id="{1511E06D-EE4C-4F7C-9087-DFE457895C64}" type="datetimeFigureOut">
               <a:rPr lang="zh-CN" altLang="en-US" smtClean="0"/>
               <a:t>2024/3/10</a:t>
             </a:fld>
@@ -2915,7 +2915,7 @@
           <p:cNvPr id="5" name="页脚占位符 4">
             <a:extLst>
               <a:ext uri="{FF2B5EF4-FFF2-40B4-BE49-F238E27FC236}">
-                <a16:creationId xmlns:a16="http://schemas.microsoft.com/office/drawing/2014/main" id="{4D290256-F001-273E-D715-E6F42261A5BC}"/>
+                <a16:creationId xmlns:a16="http://schemas.microsoft.com/office/drawing/2014/main" id="{41FF9E9D-8D0E-E32A-E80F-BBFF72208C70}"/>
               </a:ext>
             </a:extLst>
           </p:cNvPr>
@@ -2958,7 +2958,7 @@
           <p:cNvPr id="6" name="灯片编号占位符 5">
             <a:extLst>
               <a:ext uri="{FF2B5EF4-FFF2-40B4-BE49-F238E27FC236}">
-                <a16:creationId xmlns:a16="http://schemas.microsoft.com/office/drawing/2014/main" id="{B7F4BE21-A520-CAF3-750E-284229A1C41B}"/>
+                <a16:creationId xmlns:a16="http://schemas.microsoft.com/office/drawing/2014/main" id="{E39C832A-9B99-E3BF-DE02-9F390877A117}"/>
               </a:ext>
             </a:extLst>
           </p:cNvPr>
@@ -2992,7 +2992,7 @@
             </a:lvl1pPr>
           </a:lstStyle>
           <a:p>
-            <a:fld id="{472754D3-E13E-486E-BFC4-CE9C3EA87829}" type="slidenum">
+            <a:fld id="{25B4F66A-457D-43BB-9BDA-B61EEEAAA94E}" type="slidenum">
               <a:rPr lang="zh-CN" altLang="en-US" smtClean="0"/>
               <a:t>‹#›</a:t>
             </a:fld>
@@ -3003,7 +3003,7 @@
     </p:spTree>
     <p:extLst>
       <p:ext uri="{BB962C8B-B14F-4D97-AF65-F5344CB8AC3E}">
-        <p14:creationId xmlns:p14="http://schemas.microsoft.com/office/powerpoint/2010/main" val="3208613203"/>
+        <p14:creationId xmlns:p14="http://schemas.microsoft.com/office/powerpoint/2010/main" val="2607908093"/>
       </p:ext>
     </p:extLst>
   </p:cSld>
@@ -3323,7 +3323,7 @@
       </p:grpSpPr>
       <p:pic>
         <p:nvPicPr>
-          <p:cNvPr id="1386498" name="Picture 2" descr="1353"/>
+          <p:cNvPr id="1387522" name="Picture 2" descr="1354"/>
           <p:cNvPicPr>
             <a:picLocks noChangeAspect="1" noChangeArrowheads="1"/>
           </p:cNvPicPr>
@@ -3345,7 +3345,7 @@
         <p:spPr bwMode="auto">
           <a:xfrm>
             <a:off x="1524000" y="0"/>
-            <a:ext cx="9144000" cy="6858000"/>
+            <a:ext cx="9144000" cy="6237288"/>
           </a:xfrm>
           <a:prstGeom prst="rect">
             <a:avLst/>
